--- a/Git Versionsverwaltung.pptx
+++ b/Git Versionsverwaltung.pptx
@@ -7,7 +7,8 @@
   <p:sldIdLst>
     <p:sldId id="256" r:id="rId2"/>
     <p:sldId id="257" r:id="rId3"/>
-    <p:sldId id="258" r:id="rId4"/>
+    <p:sldId id="259" r:id="rId4"/>
+    <p:sldId id="258" r:id="rId5"/>
   </p:sldIdLst>
   <p:sldSz cx="12192000" cy="6858000"/>
   <p:notesSz cx="6858000" cy="9144000"/>
@@ -106,6 +107,11 @@
       </a:defRPr>
     </a:lvl9pPr>
   </p:defaultTextStyle>
+  <p:extLst>
+    <p:ext uri="{EFAFB233-063F-42B5-8137-9DF3F51BA10A}">
+      <p15:sldGuideLst xmlns:p15="http://schemas.microsoft.com/office/powerpoint/2012/main"/>
+    </p:ext>
+  </p:extLst>
 </p:presentation>
 </file>
 
@@ -3172,6 +3178,82 @@
           <a:lstStyle/>
           <a:p>
             <a:r>
+              <a:rPr lang="de-DE" smtClean="0"/>
+              <a:t>Test</a:t>
+            </a:r>
+            <a:endParaRPr lang="de-DE"/>
+          </a:p>
+        </p:txBody>
+      </p:sp>
+      <p:sp>
+        <p:nvSpPr>
+          <p:cNvPr id="3" name="Inhaltsplatzhalter 2"/>
+          <p:cNvSpPr>
+            <a:spLocks noGrp="1"/>
+          </p:cNvSpPr>
+          <p:nvPr>
+            <p:ph idx="1"/>
+          </p:nvPr>
+        </p:nvSpPr>
+        <p:spPr/>
+        <p:txBody>
+          <a:bodyPr/>
+          <a:lstStyle/>
+          <a:p>
+            <a:r>
+              <a:rPr lang="de-DE" smtClean="0"/>
+              <a:t>dltlkhjrtlk</a:t>
+            </a:r>
+            <a:endParaRPr lang="de-DE"/>
+          </a:p>
+        </p:txBody>
+      </p:sp>
+    </p:spTree>
+    <p:extLst>
+      <p:ext uri="{BB962C8B-B14F-4D97-AF65-F5344CB8AC3E}">
+        <p14:creationId xmlns:p14="http://schemas.microsoft.com/office/powerpoint/2010/main" val="3947859373"/>
+      </p:ext>
+    </p:extLst>
+  </p:cSld>
+  <p:clrMapOvr>
+    <a:masterClrMapping/>
+  </p:clrMapOvr>
+</p:sld>
+</file>
+
+<file path=ppt/slides/slide4.xml><?xml version="1.0" encoding="utf-8"?>
+<p:sld xmlns:a="http://schemas.openxmlformats.org/drawingml/2006/main" xmlns:r="http://schemas.openxmlformats.org/officeDocument/2006/relationships" xmlns:p="http://schemas.openxmlformats.org/presentationml/2006/main">
+  <p:cSld>
+    <p:spTree>
+      <p:nvGrpSpPr>
+        <p:cNvPr id="1" name=""/>
+        <p:cNvGrpSpPr/>
+        <p:nvPr/>
+      </p:nvGrpSpPr>
+      <p:grpSpPr>
+        <a:xfrm>
+          <a:off x="0" y="0"/>
+          <a:ext cx="0" cy="0"/>
+          <a:chOff x="0" y="0"/>
+          <a:chExt cx="0" cy="0"/>
+        </a:xfrm>
+      </p:grpSpPr>
+      <p:sp>
+        <p:nvSpPr>
+          <p:cNvPr id="2" name="Titel 1"/>
+          <p:cNvSpPr>
+            <a:spLocks noGrp="1"/>
+          </p:cNvSpPr>
+          <p:nvPr>
+            <p:ph type="title"/>
+          </p:nvPr>
+        </p:nvSpPr>
+        <p:spPr/>
+        <p:txBody>
+          <a:bodyPr/>
+          <a:lstStyle/>
+          <a:p>
+            <a:r>
               <a:rPr lang="de-DE" dirty="0" smtClean="0"/>
               <a:t>Quellen</a:t>
             </a:r>

--- a/Git Versionsverwaltung.pptx
+++ b/Git Versionsverwaltung.pptx
@@ -3201,10 +3201,42 @@
           <a:lstStyle/>
           <a:p>
             <a:r>
-              <a:rPr lang="de-DE" smtClean="0"/>
-              <a:t>dltlkhjrtlk</a:t>
-            </a:r>
-            <a:endParaRPr lang="de-DE"/>
+              <a:rPr lang="de-DE" dirty="0" err="1" smtClean="0"/>
+              <a:t>Dltlkhjrtlk</a:t>
+            </a:r>
+            <a:endParaRPr lang="de-DE" dirty="0" smtClean="0"/>
+          </a:p>
+          <a:p>
+            <a:r>
+              <a:rPr lang="de-DE" dirty="0" err="1" smtClean="0"/>
+              <a:t>Gewm,lkhsnohesqnbm</a:t>
+            </a:r>
+            <a:r>
+              <a:rPr lang="de-DE" dirty="0" smtClean="0"/>
+              <a:t> </a:t>
+            </a:r>
+            <a:r>
+              <a:rPr lang="de-DE" dirty="0" err="1" smtClean="0"/>
+              <a:t>kgmoreqm</a:t>
+            </a:r>
+            <a:r>
+              <a:rPr lang="de-DE" dirty="0" smtClean="0"/>
+              <a:t>#</a:t>
+            </a:r>
+          </a:p>
+          <a:p>
+            <a:r>
+              <a:rPr lang="de-DE" dirty="0" err="1" smtClean="0"/>
+              <a:t>Gpösh+hgkshmelhed</a:t>
+            </a:r>
+            <a:endParaRPr lang="de-DE" dirty="0" smtClean="0"/>
+          </a:p>
+          <a:p>
+            <a:r>
+              <a:rPr lang="de-DE" smtClean="0"/>
+              <a:t>gkpmhödr</a:t>
+            </a:r>
+            <a:endParaRPr lang="de-DE" dirty="0"/>
           </a:p>
         </p:txBody>
       </p:sp>

--- a/Git Versionsverwaltung.pptx
+++ b/Git Versionsverwaltung.pptx
@@ -3201,10 +3201,17 @@
           <a:lstStyle/>
           <a:p>
             <a:r>
-              <a:rPr lang="de-DE" smtClean="0"/>
-              <a:t>dltlkhjrtlk</a:t>
-            </a:r>
-            <a:endParaRPr lang="de-DE"/>
+              <a:rPr lang="de-DE" dirty="0" err="1" smtClean="0"/>
+              <a:t>Dltlkhjrtlk</a:t>
+            </a:r>
+            <a:endParaRPr lang="de-DE" dirty="0" smtClean="0"/>
+          </a:p>
+          <a:p>
+            <a:r>
+              <a:rPr lang="de-DE" smtClean="0"/>
+              <a:t>djffi</a:t>
+            </a:r>
+            <a:endParaRPr lang="de-DE" dirty="0"/>
           </a:p>
         </p:txBody>
       </p:sp>

--- a/Git Versionsverwaltung.pptx
+++ b/Git Versionsverwaltung.pptx
@@ -246,7 +246,7 @@
           <a:p>
             <a:fld id="{0E94C21E-CAC0-4B3E-917C-BDCAD553E244}" type="datetimeFigureOut">
               <a:rPr lang="de-DE" smtClean="0"/>
-              <a:t>06.11.2018</a:t>
+              <a:t>07.11.2018</a:t>
             </a:fld>
             <a:endParaRPr lang="de-DE"/>
           </a:p>
@@ -416,7 +416,7 @@
           <a:p>
             <a:fld id="{0E94C21E-CAC0-4B3E-917C-BDCAD553E244}" type="datetimeFigureOut">
               <a:rPr lang="de-DE" smtClean="0"/>
-              <a:t>06.11.2018</a:t>
+              <a:t>07.11.2018</a:t>
             </a:fld>
             <a:endParaRPr lang="de-DE"/>
           </a:p>
@@ -596,7 +596,7 @@
           <a:p>
             <a:fld id="{0E94C21E-CAC0-4B3E-917C-BDCAD553E244}" type="datetimeFigureOut">
               <a:rPr lang="de-DE" smtClean="0"/>
-              <a:t>06.11.2018</a:t>
+              <a:t>07.11.2018</a:t>
             </a:fld>
             <a:endParaRPr lang="de-DE"/>
           </a:p>
@@ -766,7 +766,7 @@
           <a:p>
             <a:fld id="{0E94C21E-CAC0-4B3E-917C-BDCAD553E244}" type="datetimeFigureOut">
               <a:rPr lang="de-DE" smtClean="0"/>
-              <a:t>06.11.2018</a:t>
+              <a:t>07.11.2018</a:t>
             </a:fld>
             <a:endParaRPr lang="de-DE"/>
           </a:p>
@@ -1012,7 +1012,7 @@
           <a:p>
             <a:fld id="{0E94C21E-CAC0-4B3E-917C-BDCAD553E244}" type="datetimeFigureOut">
               <a:rPr lang="de-DE" smtClean="0"/>
-              <a:t>06.11.2018</a:t>
+              <a:t>07.11.2018</a:t>
             </a:fld>
             <a:endParaRPr lang="de-DE"/>
           </a:p>
@@ -1244,7 +1244,7 @@
           <a:p>
             <a:fld id="{0E94C21E-CAC0-4B3E-917C-BDCAD553E244}" type="datetimeFigureOut">
               <a:rPr lang="de-DE" smtClean="0"/>
-              <a:t>06.11.2018</a:t>
+              <a:t>07.11.2018</a:t>
             </a:fld>
             <a:endParaRPr lang="de-DE"/>
           </a:p>
@@ -1611,7 +1611,7 @@
           <a:p>
             <a:fld id="{0E94C21E-CAC0-4B3E-917C-BDCAD553E244}" type="datetimeFigureOut">
               <a:rPr lang="de-DE" smtClean="0"/>
-              <a:t>06.11.2018</a:t>
+              <a:t>07.11.2018</a:t>
             </a:fld>
             <a:endParaRPr lang="de-DE"/>
           </a:p>
@@ -1729,7 +1729,7 @@
           <a:p>
             <a:fld id="{0E94C21E-CAC0-4B3E-917C-BDCAD553E244}" type="datetimeFigureOut">
               <a:rPr lang="de-DE" smtClean="0"/>
-              <a:t>06.11.2018</a:t>
+              <a:t>07.11.2018</a:t>
             </a:fld>
             <a:endParaRPr lang="de-DE"/>
           </a:p>
@@ -1824,7 +1824,7 @@
           <a:p>
             <a:fld id="{0E94C21E-CAC0-4B3E-917C-BDCAD553E244}" type="datetimeFigureOut">
               <a:rPr lang="de-DE" smtClean="0"/>
-              <a:t>06.11.2018</a:t>
+              <a:t>07.11.2018</a:t>
             </a:fld>
             <a:endParaRPr lang="de-DE"/>
           </a:p>
@@ -2101,7 +2101,7 @@
           <a:p>
             <a:fld id="{0E94C21E-CAC0-4B3E-917C-BDCAD553E244}" type="datetimeFigureOut">
               <a:rPr lang="de-DE" smtClean="0"/>
-              <a:t>06.11.2018</a:t>
+              <a:t>07.11.2018</a:t>
             </a:fld>
             <a:endParaRPr lang="de-DE"/>
           </a:p>
@@ -2354,7 +2354,7 @@
           <a:p>
             <a:fld id="{0E94C21E-CAC0-4B3E-917C-BDCAD553E244}" type="datetimeFigureOut">
               <a:rPr lang="de-DE" smtClean="0"/>
-              <a:t>06.11.2018</a:t>
+              <a:t>07.11.2018</a:t>
             </a:fld>
             <a:endParaRPr lang="de-DE"/>
           </a:p>
@@ -2567,7 +2567,7 @@
           <a:p>
             <a:fld id="{0E94C21E-CAC0-4B3E-917C-BDCAD553E244}" type="datetimeFigureOut">
               <a:rPr lang="de-DE" smtClean="0"/>
-              <a:t>06.11.2018</a:t>
+              <a:t>07.11.2018</a:t>
             </a:fld>
             <a:endParaRPr lang="de-DE"/>
           </a:p>
@@ -3014,7 +3014,11 @@
           <a:bodyPr/>
           <a:lstStyle/>
           <a:p>
-            <a:endParaRPr lang="de-DE"/>
+            <a:r>
+              <a:rPr lang="de-DE" smtClean="0"/>
+              <a:t>untertitel</a:t>
+            </a:r>
+            <a:endParaRPr lang="de-DE" dirty="0"/>
           </a:p>
         </p:txBody>
       </p:sp>

--- a/Git Versionsverwaltung.pptx
+++ b/Git Versionsverwaltung.pptx
@@ -3212,8 +3212,15 @@
           </a:p>
           <a:p>
             <a:r>
-              <a:rPr lang="de-DE" smtClean="0"/>
-              <a:t>djffi</a:t>
+              <a:rPr lang="de-DE" dirty="0" err="1" smtClean="0"/>
+              <a:t>Djffi</a:t>
+            </a:r>
+            <a:endParaRPr lang="de-DE" dirty="0" smtClean="0"/>
+          </a:p>
+          <a:p>
+            <a:r>
+              <a:rPr lang="de-DE" smtClean="0"/>
+              <a:t>ghf</a:t>
             </a:r>
             <a:endParaRPr lang="de-DE" dirty="0"/>
           </a:p>
